--- a/279 - The Church's One Foundation.pptx
+++ b/279 - The Church's One Foundation.pptx
@@ -115,10 +115,6 @@
 </p:presentation>
 </file>
 
-<file path=ppt/revisionInfo.xml><?xml version="1.0" encoding="utf-8"?>
-<p1510:revInfo xmlns:a="http://schemas.openxmlformats.org/drawingml/2006/main" xmlns:r="http://schemas.openxmlformats.org/officeDocument/2006/relationships" xmlns:p1510="http://schemas.microsoft.com/office/powerpoint/2015/10/main"/>
-</file>
-
 <file path=ppt/slideLayouts/slideLayout1.xml><?xml version="1.0" encoding="utf-8"?>
 <p:sldLayout xmlns:a="http://schemas.openxmlformats.org/drawingml/2006/main" xmlns:r="http://schemas.openxmlformats.org/officeDocument/2006/relationships" xmlns:p="http://schemas.openxmlformats.org/presentationml/2006/main" type="title" preserve="1">
   <p:cSld name="Title Slide">
@@ -248,7 +244,7 @@
           <a:p>
             <a:fld id="{32F7251A-AE54-443C-B8FE-5F636E835EBF}" type="datetimeFigureOut">
               <a:rPr lang="en-US" smtClean="0"/>
-              <a:t>7/2/2017</a:t>
+              <a:t>4/22/2018</a:t>
             </a:fld>
             <a:endParaRPr lang="en-US"/>
           </a:p>
@@ -416,7 +412,7 @@
           <a:p>
             <a:fld id="{32F7251A-AE54-443C-B8FE-5F636E835EBF}" type="datetimeFigureOut">
               <a:rPr lang="en-US" smtClean="0"/>
-              <a:t>7/2/2017</a:t>
+              <a:t>4/22/2018</a:t>
             </a:fld>
             <a:endParaRPr lang="en-US"/>
           </a:p>
@@ -594,7 +590,7 @@
           <a:p>
             <a:fld id="{32F7251A-AE54-443C-B8FE-5F636E835EBF}" type="datetimeFigureOut">
               <a:rPr lang="en-US" smtClean="0"/>
-              <a:t>7/2/2017</a:t>
+              <a:t>4/22/2018</a:t>
             </a:fld>
             <a:endParaRPr lang="en-US"/>
           </a:p>
@@ -762,7 +758,7 @@
           <a:p>
             <a:fld id="{32F7251A-AE54-443C-B8FE-5F636E835EBF}" type="datetimeFigureOut">
               <a:rPr lang="en-US" smtClean="0"/>
-              <a:t>7/2/2017</a:t>
+              <a:t>4/22/2018</a:t>
             </a:fld>
             <a:endParaRPr lang="en-US"/>
           </a:p>
@@ -1007,7 +1003,7 @@
           <a:p>
             <a:fld id="{32F7251A-AE54-443C-B8FE-5F636E835EBF}" type="datetimeFigureOut">
               <a:rPr lang="en-US" smtClean="0"/>
-              <a:t>7/2/2017</a:t>
+              <a:t>4/22/2018</a:t>
             </a:fld>
             <a:endParaRPr lang="en-US"/>
           </a:p>
@@ -1236,7 +1232,7 @@
           <a:p>
             <a:fld id="{32F7251A-AE54-443C-B8FE-5F636E835EBF}" type="datetimeFigureOut">
               <a:rPr lang="en-US" smtClean="0"/>
-              <a:t>7/2/2017</a:t>
+              <a:t>4/22/2018</a:t>
             </a:fld>
             <a:endParaRPr lang="en-US"/>
           </a:p>
@@ -1600,7 +1596,7 @@
           <a:p>
             <a:fld id="{32F7251A-AE54-443C-B8FE-5F636E835EBF}" type="datetimeFigureOut">
               <a:rPr lang="en-US" smtClean="0"/>
-              <a:t>7/2/2017</a:t>
+              <a:t>4/22/2018</a:t>
             </a:fld>
             <a:endParaRPr lang="en-US"/>
           </a:p>
@@ -1717,7 +1713,7 @@
           <a:p>
             <a:fld id="{32F7251A-AE54-443C-B8FE-5F636E835EBF}" type="datetimeFigureOut">
               <a:rPr lang="en-US" smtClean="0"/>
-              <a:t>7/2/2017</a:t>
+              <a:t>4/22/2018</a:t>
             </a:fld>
             <a:endParaRPr lang="en-US"/>
           </a:p>
@@ -1812,7 +1808,7 @@
           <a:p>
             <a:fld id="{32F7251A-AE54-443C-B8FE-5F636E835EBF}" type="datetimeFigureOut">
               <a:rPr lang="en-US" smtClean="0"/>
-              <a:t>7/2/2017</a:t>
+              <a:t>4/22/2018</a:t>
             </a:fld>
             <a:endParaRPr lang="en-US"/>
           </a:p>
@@ -2087,7 +2083,7 @@
           <a:p>
             <a:fld id="{32F7251A-AE54-443C-B8FE-5F636E835EBF}" type="datetimeFigureOut">
               <a:rPr lang="en-US" smtClean="0"/>
-              <a:t>7/2/2017</a:t>
+              <a:t>4/22/2018</a:t>
             </a:fld>
             <a:endParaRPr lang="en-US"/>
           </a:p>
@@ -2339,7 +2335,7 @@
           <a:p>
             <a:fld id="{32F7251A-AE54-443C-B8FE-5F636E835EBF}" type="datetimeFigureOut">
               <a:rPr lang="en-US" smtClean="0"/>
-              <a:t>7/2/2017</a:t>
+              <a:t>4/22/2018</a:t>
             </a:fld>
             <a:endParaRPr lang="en-US"/>
           </a:p>
@@ -2553,7 +2549,7 @@
           <a:p>
             <a:fld id="{32F7251A-AE54-443C-B8FE-5F636E835EBF}" type="datetimeFigureOut">
               <a:rPr lang="en-US" smtClean="0"/>
-              <a:t>7/2/2017</a:t>
+              <a:t>4/22/2018</a:t>
             </a:fld>
             <a:endParaRPr lang="en-US"/>
           </a:p>

--- a/279 - The Church's One Foundation.pptx
+++ b/279 - The Church's One Foundation.pptx
@@ -244,7 +244,7 @@
           <a:p>
             <a:fld id="{32F7251A-AE54-443C-B8FE-5F636E835EBF}" type="datetimeFigureOut">
               <a:rPr lang="en-US" smtClean="0"/>
-              <a:t>4/22/2018</a:t>
+              <a:t>12/2/2018</a:t>
             </a:fld>
             <a:endParaRPr lang="en-US"/>
           </a:p>
@@ -412,7 +412,7 @@
           <a:p>
             <a:fld id="{32F7251A-AE54-443C-B8FE-5F636E835EBF}" type="datetimeFigureOut">
               <a:rPr lang="en-US" smtClean="0"/>
-              <a:t>4/22/2018</a:t>
+              <a:t>12/2/2018</a:t>
             </a:fld>
             <a:endParaRPr lang="en-US"/>
           </a:p>
@@ -590,7 +590,7 @@
           <a:p>
             <a:fld id="{32F7251A-AE54-443C-B8FE-5F636E835EBF}" type="datetimeFigureOut">
               <a:rPr lang="en-US" smtClean="0"/>
-              <a:t>4/22/2018</a:t>
+              <a:t>12/2/2018</a:t>
             </a:fld>
             <a:endParaRPr lang="en-US"/>
           </a:p>
@@ -758,7 +758,7 @@
           <a:p>
             <a:fld id="{32F7251A-AE54-443C-B8FE-5F636E835EBF}" type="datetimeFigureOut">
               <a:rPr lang="en-US" smtClean="0"/>
-              <a:t>4/22/2018</a:t>
+              <a:t>12/2/2018</a:t>
             </a:fld>
             <a:endParaRPr lang="en-US"/>
           </a:p>
@@ -1003,7 +1003,7 @@
           <a:p>
             <a:fld id="{32F7251A-AE54-443C-B8FE-5F636E835EBF}" type="datetimeFigureOut">
               <a:rPr lang="en-US" smtClean="0"/>
-              <a:t>4/22/2018</a:t>
+              <a:t>12/2/2018</a:t>
             </a:fld>
             <a:endParaRPr lang="en-US"/>
           </a:p>
@@ -1232,7 +1232,7 @@
           <a:p>
             <a:fld id="{32F7251A-AE54-443C-B8FE-5F636E835EBF}" type="datetimeFigureOut">
               <a:rPr lang="en-US" smtClean="0"/>
-              <a:t>4/22/2018</a:t>
+              <a:t>12/2/2018</a:t>
             </a:fld>
             <a:endParaRPr lang="en-US"/>
           </a:p>
@@ -1596,7 +1596,7 @@
           <a:p>
             <a:fld id="{32F7251A-AE54-443C-B8FE-5F636E835EBF}" type="datetimeFigureOut">
               <a:rPr lang="en-US" smtClean="0"/>
-              <a:t>4/22/2018</a:t>
+              <a:t>12/2/2018</a:t>
             </a:fld>
             <a:endParaRPr lang="en-US"/>
           </a:p>
@@ -1713,7 +1713,7 @@
           <a:p>
             <a:fld id="{32F7251A-AE54-443C-B8FE-5F636E835EBF}" type="datetimeFigureOut">
               <a:rPr lang="en-US" smtClean="0"/>
-              <a:t>4/22/2018</a:t>
+              <a:t>12/2/2018</a:t>
             </a:fld>
             <a:endParaRPr lang="en-US"/>
           </a:p>
@@ -1808,7 +1808,7 @@
           <a:p>
             <a:fld id="{32F7251A-AE54-443C-B8FE-5F636E835EBF}" type="datetimeFigureOut">
               <a:rPr lang="en-US" smtClean="0"/>
-              <a:t>4/22/2018</a:t>
+              <a:t>12/2/2018</a:t>
             </a:fld>
             <a:endParaRPr lang="en-US"/>
           </a:p>
@@ -2083,7 +2083,7 @@
           <a:p>
             <a:fld id="{32F7251A-AE54-443C-B8FE-5F636E835EBF}" type="datetimeFigureOut">
               <a:rPr lang="en-US" smtClean="0"/>
-              <a:t>4/22/2018</a:t>
+              <a:t>12/2/2018</a:t>
             </a:fld>
             <a:endParaRPr lang="en-US"/>
           </a:p>
@@ -2335,7 +2335,7 @@
           <a:p>
             <a:fld id="{32F7251A-AE54-443C-B8FE-5F636E835EBF}" type="datetimeFigureOut">
               <a:rPr lang="en-US" smtClean="0"/>
-              <a:t>4/22/2018</a:t>
+              <a:t>12/2/2018</a:t>
             </a:fld>
             <a:endParaRPr lang="en-US"/>
           </a:p>
@@ -2549,7 +2549,7 @@
           <a:p>
             <a:fld id="{32F7251A-AE54-443C-B8FE-5F636E835EBF}" type="datetimeFigureOut">
               <a:rPr lang="en-US" smtClean="0"/>
-              <a:t>4/22/2018</a:t>
+              <a:t>12/2/2018</a:t>
             </a:fld>
             <a:endParaRPr lang="en-US"/>
           </a:p>
@@ -3121,20 +3121,12 @@
           <a:p>
             <a:pPr algn="ctr"/>
             <a:r>
-              <a:rPr lang="en-US" sz="3600">
+              <a:rPr lang="en-US" sz="3600" dirty="0">
                 <a:solidFill>
                   <a:schemeClr val="bg1"/>
                 </a:solidFill>
               </a:rPr>
-              <a:t>From heaven </a:t>
-            </a:r>
-            <a:r>
-              <a:rPr lang="en-US" sz="3600" dirty="0">
-                <a:solidFill>
-                  <a:schemeClr val="bg1"/>
-                </a:solidFill>
-              </a:rPr>
-              <a:t>He came and sought her</a:t>
+              <a:t>From heaven, He came and sought her</a:t>
             </a:r>
           </a:p>
           <a:p>

--- a/279 - The Church's One Foundation.pptx
+++ b/279 - The Church's One Foundation.pptx
@@ -244,7 +244,7 @@
           <a:p>
             <a:fld id="{32F7251A-AE54-443C-B8FE-5F636E835EBF}" type="datetimeFigureOut">
               <a:rPr lang="en-US" smtClean="0"/>
-              <a:t>12/2/2018</a:t>
+              <a:t>4/26/2020</a:t>
             </a:fld>
             <a:endParaRPr lang="en-US"/>
           </a:p>
@@ -412,7 +412,7 @@
           <a:p>
             <a:fld id="{32F7251A-AE54-443C-B8FE-5F636E835EBF}" type="datetimeFigureOut">
               <a:rPr lang="en-US" smtClean="0"/>
-              <a:t>12/2/2018</a:t>
+              <a:t>4/26/2020</a:t>
             </a:fld>
             <a:endParaRPr lang="en-US"/>
           </a:p>
@@ -590,7 +590,7 @@
           <a:p>
             <a:fld id="{32F7251A-AE54-443C-B8FE-5F636E835EBF}" type="datetimeFigureOut">
               <a:rPr lang="en-US" smtClean="0"/>
-              <a:t>12/2/2018</a:t>
+              <a:t>4/26/2020</a:t>
             </a:fld>
             <a:endParaRPr lang="en-US"/>
           </a:p>
@@ -758,7 +758,7 @@
           <a:p>
             <a:fld id="{32F7251A-AE54-443C-B8FE-5F636E835EBF}" type="datetimeFigureOut">
               <a:rPr lang="en-US" smtClean="0"/>
-              <a:t>12/2/2018</a:t>
+              <a:t>4/26/2020</a:t>
             </a:fld>
             <a:endParaRPr lang="en-US"/>
           </a:p>
@@ -1003,7 +1003,7 @@
           <a:p>
             <a:fld id="{32F7251A-AE54-443C-B8FE-5F636E835EBF}" type="datetimeFigureOut">
               <a:rPr lang="en-US" smtClean="0"/>
-              <a:t>12/2/2018</a:t>
+              <a:t>4/26/2020</a:t>
             </a:fld>
             <a:endParaRPr lang="en-US"/>
           </a:p>
@@ -1232,7 +1232,7 @@
           <a:p>
             <a:fld id="{32F7251A-AE54-443C-B8FE-5F636E835EBF}" type="datetimeFigureOut">
               <a:rPr lang="en-US" smtClean="0"/>
-              <a:t>12/2/2018</a:t>
+              <a:t>4/26/2020</a:t>
             </a:fld>
             <a:endParaRPr lang="en-US"/>
           </a:p>
@@ -1596,7 +1596,7 @@
           <a:p>
             <a:fld id="{32F7251A-AE54-443C-B8FE-5F636E835EBF}" type="datetimeFigureOut">
               <a:rPr lang="en-US" smtClean="0"/>
-              <a:t>12/2/2018</a:t>
+              <a:t>4/26/2020</a:t>
             </a:fld>
             <a:endParaRPr lang="en-US"/>
           </a:p>
@@ -1713,7 +1713,7 @@
           <a:p>
             <a:fld id="{32F7251A-AE54-443C-B8FE-5F636E835EBF}" type="datetimeFigureOut">
               <a:rPr lang="en-US" smtClean="0"/>
-              <a:t>12/2/2018</a:t>
+              <a:t>4/26/2020</a:t>
             </a:fld>
             <a:endParaRPr lang="en-US"/>
           </a:p>
@@ -1808,7 +1808,7 @@
           <a:p>
             <a:fld id="{32F7251A-AE54-443C-B8FE-5F636E835EBF}" type="datetimeFigureOut">
               <a:rPr lang="en-US" smtClean="0"/>
-              <a:t>12/2/2018</a:t>
+              <a:t>4/26/2020</a:t>
             </a:fld>
             <a:endParaRPr lang="en-US"/>
           </a:p>
@@ -2083,7 +2083,7 @@
           <a:p>
             <a:fld id="{32F7251A-AE54-443C-B8FE-5F636E835EBF}" type="datetimeFigureOut">
               <a:rPr lang="en-US" smtClean="0"/>
-              <a:t>12/2/2018</a:t>
+              <a:t>4/26/2020</a:t>
             </a:fld>
             <a:endParaRPr lang="en-US"/>
           </a:p>
@@ -2335,7 +2335,7 @@
           <a:p>
             <a:fld id="{32F7251A-AE54-443C-B8FE-5F636E835EBF}" type="datetimeFigureOut">
               <a:rPr lang="en-US" smtClean="0"/>
-              <a:t>12/2/2018</a:t>
+              <a:t>4/26/2020</a:t>
             </a:fld>
             <a:endParaRPr lang="en-US"/>
           </a:p>
@@ -2402,7 +2402,9 @@
     <p:bg>
       <p:bgPr>
         <a:solidFill>
-          <a:srgbClr val="333333"/>
+          <a:schemeClr val="bg1">
+            <a:lumMod val="10000"/>
+          </a:schemeClr>
         </a:solidFill>
         <a:effectLst/>
       </p:bgPr>
@@ -2549,7 +2551,7 @@
           <a:p>
             <a:fld id="{32F7251A-AE54-443C-B8FE-5F636E835EBF}" type="datetimeFigureOut">
               <a:rPr lang="en-US" smtClean="0"/>
-              <a:t>12/2/2018</a:t>
+              <a:t>4/26/2020</a:t>
             </a:fld>
             <a:endParaRPr lang="en-US"/>
           </a:p>
@@ -3019,8 +3021,8 @@
         </p:nvSpPr>
         <p:spPr>
           <a:xfrm>
-            <a:off x="0" y="5804209"/>
-            <a:ext cx="12192000" cy="830997"/>
+            <a:off x="0" y="5927320"/>
+            <a:ext cx="12192000" cy="584775"/>
           </a:xfrm>
           <a:prstGeom prst="rect">
             <a:avLst/>
@@ -3035,10 +3037,12 @@
           <a:p>
             <a:pPr algn="ctr"/>
             <a:r>
-              <a:rPr lang="en-US" sz="4800" dirty="0">
+              <a:rPr lang="en-US" sz="3200" u="sng" dirty="0">
                 <a:solidFill>
                   <a:schemeClr val="bg1"/>
                 </a:solidFill>
+                <a:latin typeface="Assistant SemiBold" panose="00000700000000000000" pitchFamily="2" charset="-79"/>
+                <a:cs typeface="Assistant SemiBold" panose="00000700000000000000" pitchFamily="2" charset="-79"/>
               </a:rPr>
               <a:t>“The Church’s One Foundation”</a:t>
             </a:r>
@@ -3053,8 +3057,8 @@
         </p:nvSpPr>
         <p:spPr>
           <a:xfrm>
-            <a:off x="0" y="319381"/>
-            <a:ext cx="12192000" cy="5078313"/>
+            <a:off x="0" y="729571"/>
+            <a:ext cx="12192000" cy="3970318"/>
           </a:xfrm>
           <a:prstGeom prst="rect">
             <a:avLst/>
@@ -3069,10 +3073,12 @@
           <a:p>
             <a:pPr algn="ctr"/>
             <a:r>
-              <a:rPr lang="en-US" sz="3600" dirty="0">
+              <a:rPr lang="en-US" sz="2800" spc="50" dirty="0">
                 <a:solidFill>
                   <a:schemeClr val="bg1"/>
                 </a:solidFill>
+                <a:latin typeface="Assistant" panose="00000500000000000000" pitchFamily="2" charset="-79"/>
+                <a:cs typeface="Assistant" panose="00000500000000000000" pitchFamily="2" charset="-79"/>
               </a:rPr>
               <a:t>The Church’s one foundation</a:t>
             </a:r>
@@ -3080,10 +3086,12 @@
           <a:p>
             <a:pPr algn="ctr"/>
             <a:r>
-              <a:rPr lang="en-US" sz="3600" dirty="0">
+              <a:rPr lang="en-US" sz="2800" spc="50" dirty="0">
                 <a:solidFill>
                   <a:schemeClr val="bg1"/>
                 </a:solidFill>
+                <a:latin typeface="Assistant" panose="00000500000000000000" pitchFamily="2" charset="-79"/>
+                <a:cs typeface="Assistant" panose="00000500000000000000" pitchFamily="2" charset="-79"/>
               </a:rPr>
               <a:t>Is Jesus Christ, her Lord;</a:t>
             </a:r>
@@ -3091,10 +3099,12 @@
           <a:p>
             <a:pPr algn="ctr"/>
             <a:r>
-              <a:rPr lang="en-US" sz="3600" dirty="0">
+              <a:rPr lang="en-US" sz="2800" spc="50" dirty="0">
                 <a:solidFill>
                   <a:schemeClr val="bg1"/>
                 </a:solidFill>
+                <a:latin typeface="Assistant" panose="00000500000000000000" pitchFamily="2" charset="-79"/>
+                <a:cs typeface="Assistant" panose="00000500000000000000" pitchFamily="2" charset="-79"/>
               </a:rPr>
               <a:t>She is His new creation</a:t>
             </a:r>
@@ -3102,29 +3112,35 @@
           <a:p>
             <a:pPr algn="ctr"/>
             <a:r>
-              <a:rPr lang="en-US" sz="3600" dirty="0">
+              <a:rPr lang="en-US" sz="2800" spc="50" dirty="0">
                 <a:solidFill>
                   <a:schemeClr val="bg1"/>
                 </a:solidFill>
+                <a:latin typeface="Assistant" panose="00000500000000000000" pitchFamily="2" charset="-79"/>
+                <a:cs typeface="Assistant" panose="00000500000000000000" pitchFamily="2" charset="-79"/>
               </a:rPr>
               <a:t>By water and the word;</a:t>
             </a:r>
           </a:p>
           <a:p>
             <a:pPr algn="ctr"/>
-            <a:endParaRPr lang="en-US" sz="3600" dirty="0">
+            <a:endParaRPr lang="en-US" sz="2800" spc="50" dirty="0">
               <a:solidFill>
                 <a:schemeClr val="bg1"/>
               </a:solidFill>
+              <a:latin typeface="Assistant" panose="00000500000000000000" pitchFamily="2" charset="-79"/>
+              <a:cs typeface="Assistant" panose="00000500000000000000" pitchFamily="2" charset="-79"/>
             </a:endParaRPr>
           </a:p>
           <a:p>
             <a:pPr algn="ctr"/>
             <a:r>
-              <a:rPr lang="en-US" sz="3600" dirty="0">
+              <a:rPr lang="en-US" sz="2800" spc="50" dirty="0">
                 <a:solidFill>
                   <a:schemeClr val="bg1"/>
                 </a:solidFill>
+                <a:latin typeface="Assistant" panose="00000500000000000000" pitchFamily="2" charset="-79"/>
+                <a:cs typeface="Assistant" panose="00000500000000000000" pitchFamily="2" charset="-79"/>
               </a:rPr>
               <a:t>From heaven, He came and sought her</a:t>
             </a:r>
@@ -3132,10 +3148,12 @@
           <a:p>
             <a:pPr algn="ctr"/>
             <a:r>
-              <a:rPr lang="en-US" sz="3600" dirty="0">
+              <a:rPr lang="en-US" sz="2800" spc="50" dirty="0">
                 <a:solidFill>
                   <a:schemeClr val="bg1"/>
                 </a:solidFill>
+                <a:latin typeface="Assistant" panose="00000500000000000000" pitchFamily="2" charset="-79"/>
+                <a:cs typeface="Assistant" panose="00000500000000000000" pitchFamily="2" charset="-79"/>
               </a:rPr>
               <a:t>To be His holy bride;</a:t>
             </a:r>
@@ -3143,10 +3161,12 @@
           <a:p>
             <a:pPr algn="ctr"/>
             <a:r>
-              <a:rPr lang="en-US" sz="3600" dirty="0">
+              <a:rPr lang="en-US" sz="2800" spc="50" dirty="0">
                 <a:solidFill>
                   <a:schemeClr val="bg1"/>
                 </a:solidFill>
+                <a:latin typeface="Assistant" panose="00000500000000000000" pitchFamily="2" charset="-79"/>
+                <a:cs typeface="Assistant" panose="00000500000000000000" pitchFamily="2" charset="-79"/>
               </a:rPr>
               <a:t>With His own blood He bought Her,</a:t>
             </a:r>
@@ -3154,10 +3174,12 @@
           <a:p>
             <a:pPr algn="ctr"/>
             <a:r>
-              <a:rPr lang="en-US" sz="3600" dirty="0">
+              <a:rPr lang="en-US" sz="2800" spc="50" dirty="0">
                 <a:solidFill>
                   <a:schemeClr val="bg1"/>
                 </a:solidFill>
+                <a:latin typeface="Assistant" panose="00000500000000000000" pitchFamily="2" charset="-79"/>
+                <a:cs typeface="Assistant" panose="00000500000000000000" pitchFamily="2" charset="-79"/>
               </a:rPr>
               <a:t>And for her life He died.</a:t>
             </a:r>
@@ -3259,8 +3281,8 @@
         </p:nvSpPr>
         <p:spPr>
           <a:xfrm>
-            <a:off x="0" y="5804209"/>
-            <a:ext cx="12192000" cy="830997"/>
+            <a:off x="0" y="5927320"/>
+            <a:ext cx="12192000" cy="584775"/>
           </a:xfrm>
           <a:prstGeom prst="rect">
             <a:avLst/>
@@ -3275,10 +3297,12 @@
           <a:p>
             <a:pPr algn="ctr"/>
             <a:r>
-              <a:rPr lang="en-US" sz="4800" dirty="0">
+              <a:rPr lang="en-US" sz="3200" u="sng" dirty="0">
                 <a:solidFill>
                   <a:schemeClr val="bg1"/>
                 </a:solidFill>
+                <a:latin typeface="Assistant SemiBold" panose="00000700000000000000" pitchFamily="2" charset="-79"/>
+                <a:cs typeface="Assistant SemiBold" panose="00000700000000000000" pitchFamily="2" charset="-79"/>
               </a:rPr>
               <a:t>“The Church’s One Foundation”</a:t>
             </a:r>
@@ -3293,8 +3317,8 @@
         </p:nvSpPr>
         <p:spPr>
           <a:xfrm>
-            <a:off x="0" y="319381"/>
-            <a:ext cx="12192000" cy="5078313"/>
+            <a:off x="0" y="729571"/>
+            <a:ext cx="12192000" cy="3970318"/>
           </a:xfrm>
           <a:prstGeom prst="rect">
             <a:avLst/>
@@ -3309,10 +3333,12 @@
           <a:p>
             <a:pPr algn="ctr"/>
             <a:r>
-              <a:rPr lang="en-US" sz="3600" dirty="0">
+              <a:rPr lang="en-US" sz="2800" spc="50" dirty="0">
                 <a:solidFill>
                   <a:schemeClr val="bg1"/>
                 </a:solidFill>
+                <a:latin typeface="Assistant" panose="00000500000000000000" pitchFamily="2" charset="-79"/>
+                <a:cs typeface="Assistant" panose="00000500000000000000" pitchFamily="2" charset="-79"/>
               </a:rPr>
               <a:t>Elect from every nation,</a:t>
             </a:r>
@@ -3320,10 +3346,12 @@
           <a:p>
             <a:pPr algn="ctr"/>
             <a:r>
-              <a:rPr lang="en-US" sz="3600" dirty="0">
+              <a:rPr lang="en-US" sz="2800" spc="50" dirty="0">
                 <a:solidFill>
                   <a:schemeClr val="bg1"/>
                 </a:solidFill>
+                <a:latin typeface="Assistant" panose="00000500000000000000" pitchFamily="2" charset="-79"/>
+                <a:cs typeface="Assistant" panose="00000500000000000000" pitchFamily="2" charset="-79"/>
               </a:rPr>
               <a:t>Yet one o’er all the Earth,</a:t>
             </a:r>
@@ -3331,10 +3359,12 @@
           <a:p>
             <a:pPr algn="ctr"/>
             <a:r>
-              <a:rPr lang="en-US" sz="3600" dirty="0">
+              <a:rPr lang="en-US" sz="2800" spc="50" dirty="0">
                 <a:solidFill>
                   <a:schemeClr val="bg1"/>
                 </a:solidFill>
+                <a:latin typeface="Assistant" panose="00000500000000000000" pitchFamily="2" charset="-79"/>
+                <a:cs typeface="Assistant" panose="00000500000000000000" pitchFamily="2" charset="-79"/>
               </a:rPr>
               <a:t>Her charter of salvation—</a:t>
             </a:r>
@@ -3342,29 +3372,35 @@
           <a:p>
             <a:pPr algn="ctr"/>
             <a:r>
-              <a:rPr lang="en-US" sz="3600" dirty="0">
+              <a:rPr lang="en-US" sz="2800" spc="50" dirty="0">
                 <a:solidFill>
                   <a:schemeClr val="bg1"/>
                 </a:solidFill>
+                <a:latin typeface="Assistant" panose="00000500000000000000" pitchFamily="2" charset="-79"/>
+                <a:cs typeface="Assistant" panose="00000500000000000000" pitchFamily="2" charset="-79"/>
               </a:rPr>
               <a:t>One Lord, one faith, one birth;</a:t>
             </a:r>
           </a:p>
           <a:p>
             <a:pPr algn="ctr"/>
-            <a:endParaRPr lang="en-US" sz="3600" dirty="0">
+            <a:endParaRPr lang="en-US" sz="2800" spc="50" dirty="0">
               <a:solidFill>
                 <a:schemeClr val="bg1"/>
               </a:solidFill>
+              <a:latin typeface="Assistant" panose="00000500000000000000" pitchFamily="2" charset="-79"/>
+              <a:cs typeface="Assistant" panose="00000500000000000000" pitchFamily="2" charset="-79"/>
             </a:endParaRPr>
           </a:p>
           <a:p>
             <a:pPr algn="ctr"/>
             <a:r>
-              <a:rPr lang="en-US" sz="3600" dirty="0">
+              <a:rPr lang="en-US" sz="2800" spc="50" dirty="0">
                 <a:solidFill>
                   <a:schemeClr val="bg1"/>
                 </a:solidFill>
+                <a:latin typeface="Assistant" panose="00000500000000000000" pitchFamily="2" charset="-79"/>
+                <a:cs typeface="Assistant" panose="00000500000000000000" pitchFamily="2" charset="-79"/>
               </a:rPr>
               <a:t>One holy name she blesses,</a:t>
             </a:r>
@@ -3372,10 +3408,12 @@
           <a:p>
             <a:pPr algn="ctr"/>
             <a:r>
-              <a:rPr lang="en-US" sz="3600" dirty="0">
+              <a:rPr lang="en-US" sz="2800" spc="50" dirty="0">
                 <a:solidFill>
                   <a:schemeClr val="bg1"/>
                 </a:solidFill>
+                <a:latin typeface="Assistant" panose="00000500000000000000" pitchFamily="2" charset="-79"/>
+                <a:cs typeface="Assistant" panose="00000500000000000000" pitchFamily="2" charset="-79"/>
               </a:rPr>
               <a:t>Partakes one holy food,</a:t>
             </a:r>
@@ -3383,10 +3421,12 @@
           <a:p>
             <a:pPr algn="ctr"/>
             <a:r>
-              <a:rPr lang="en-US" sz="3600" dirty="0">
+              <a:rPr lang="en-US" sz="2800" spc="50" dirty="0">
                 <a:solidFill>
                   <a:schemeClr val="bg1"/>
                 </a:solidFill>
+                <a:latin typeface="Assistant" panose="00000500000000000000" pitchFamily="2" charset="-79"/>
+                <a:cs typeface="Assistant" panose="00000500000000000000" pitchFamily="2" charset="-79"/>
               </a:rPr>
               <a:t>And to one hope she presses</a:t>
             </a:r>
@@ -3394,10 +3434,12 @@
           <a:p>
             <a:pPr algn="ctr"/>
             <a:r>
-              <a:rPr lang="en-US" sz="3600" dirty="0">
+              <a:rPr lang="en-US" sz="2800" spc="50" dirty="0">
                 <a:solidFill>
                   <a:schemeClr val="bg1"/>
                 </a:solidFill>
+                <a:latin typeface="Assistant" panose="00000500000000000000" pitchFamily="2" charset="-79"/>
+                <a:cs typeface="Assistant" panose="00000500000000000000" pitchFamily="2" charset="-79"/>
               </a:rPr>
               <a:t>With every grace endued.</a:t>
             </a:r>
@@ -3499,8 +3541,8 @@
         </p:nvSpPr>
         <p:spPr>
           <a:xfrm>
-            <a:off x="0" y="5804209"/>
-            <a:ext cx="12192000" cy="830997"/>
+            <a:off x="0" y="5927320"/>
+            <a:ext cx="12192000" cy="584775"/>
           </a:xfrm>
           <a:prstGeom prst="rect">
             <a:avLst/>
@@ -3515,10 +3557,12 @@
           <a:p>
             <a:pPr algn="ctr"/>
             <a:r>
-              <a:rPr lang="en-US" sz="4800" dirty="0">
+              <a:rPr lang="en-US" sz="3200" u="sng" dirty="0">
                 <a:solidFill>
                   <a:schemeClr val="bg1"/>
                 </a:solidFill>
+                <a:latin typeface="Assistant SemiBold" panose="00000700000000000000" pitchFamily="2" charset="-79"/>
+                <a:cs typeface="Assistant SemiBold" panose="00000700000000000000" pitchFamily="2" charset="-79"/>
               </a:rPr>
               <a:t>“The Church’s One Foundation”</a:t>
             </a:r>
@@ -3533,8 +3577,8 @@
         </p:nvSpPr>
         <p:spPr>
           <a:xfrm>
-            <a:off x="0" y="319381"/>
-            <a:ext cx="12192000" cy="5078313"/>
+            <a:off x="0" y="729571"/>
+            <a:ext cx="12192000" cy="3970318"/>
           </a:xfrm>
           <a:prstGeom prst="rect">
             <a:avLst/>
@@ -3549,10 +3593,12 @@
           <a:p>
             <a:pPr algn="ctr"/>
             <a:r>
-              <a:rPr lang="en-US" sz="3600" dirty="0">
+              <a:rPr lang="en-US" sz="2800" spc="50" dirty="0">
                 <a:solidFill>
                   <a:schemeClr val="bg1"/>
                 </a:solidFill>
+                <a:latin typeface="Assistant" panose="00000500000000000000" pitchFamily="2" charset="-79"/>
+                <a:cs typeface="Assistant" panose="00000500000000000000" pitchFamily="2" charset="-79"/>
               </a:rPr>
               <a:t>‘Mid toil and tribulation</a:t>
             </a:r>
@@ -3560,10 +3606,12 @@
           <a:p>
             <a:pPr algn="ctr"/>
             <a:r>
-              <a:rPr lang="en-US" sz="3600" dirty="0">
+              <a:rPr lang="en-US" sz="2800" spc="50" dirty="0">
                 <a:solidFill>
                   <a:schemeClr val="bg1"/>
                 </a:solidFill>
+                <a:latin typeface="Assistant" panose="00000500000000000000" pitchFamily="2" charset="-79"/>
+                <a:cs typeface="Assistant" panose="00000500000000000000" pitchFamily="2" charset="-79"/>
               </a:rPr>
               <a:t>And tumult of her war,</a:t>
             </a:r>
@@ -3571,10 +3619,12 @@
           <a:p>
             <a:pPr algn="ctr"/>
             <a:r>
-              <a:rPr lang="en-US" sz="3600" dirty="0">
+              <a:rPr lang="en-US" sz="2800" spc="50" dirty="0">
                 <a:solidFill>
                   <a:schemeClr val="bg1"/>
                 </a:solidFill>
+                <a:latin typeface="Assistant" panose="00000500000000000000" pitchFamily="2" charset="-79"/>
+                <a:cs typeface="Assistant" panose="00000500000000000000" pitchFamily="2" charset="-79"/>
               </a:rPr>
               <a:t>She waits the consummation</a:t>
             </a:r>
@@ -3582,37 +3632,45 @@
           <a:p>
             <a:pPr algn="ctr"/>
             <a:r>
-              <a:rPr lang="en-US" sz="3600" dirty="0">
+              <a:rPr lang="en-US" sz="2800" spc="50" dirty="0">
                 <a:solidFill>
                   <a:schemeClr val="bg1"/>
                 </a:solidFill>
+                <a:latin typeface="Assistant" panose="00000500000000000000" pitchFamily="2" charset="-79"/>
+                <a:cs typeface="Assistant" panose="00000500000000000000" pitchFamily="2" charset="-79"/>
               </a:rPr>
               <a:t>Of peace forevermore,</a:t>
             </a:r>
           </a:p>
           <a:p>
             <a:pPr algn="ctr"/>
-            <a:endParaRPr lang="en-US" sz="3600" dirty="0">
+            <a:endParaRPr lang="en-US" sz="2800" spc="50" dirty="0">
               <a:solidFill>
                 <a:schemeClr val="bg1"/>
               </a:solidFill>
+              <a:latin typeface="Assistant" panose="00000500000000000000" pitchFamily="2" charset="-79"/>
+              <a:cs typeface="Assistant" panose="00000500000000000000" pitchFamily="2" charset="-79"/>
             </a:endParaRPr>
           </a:p>
           <a:p>
             <a:pPr algn="ctr"/>
             <a:r>
-              <a:rPr lang="en-US" sz="3600" dirty="0" err="1">
+              <a:rPr lang="en-US" sz="2800" spc="50" dirty="0" err="1">
                 <a:solidFill>
                   <a:schemeClr val="bg1"/>
                 </a:solidFill>
+                <a:latin typeface="Assistant" panose="00000500000000000000" pitchFamily="2" charset="-79"/>
+                <a:cs typeface="Assistant" panose="00000500000000000000" pitchFamily="2" charset="-79"/>
               </a:rPr>
               <a:t>‘Til</a:t>
             </a:r>
             <a:r>
-              <a:rPr lang="en-US" sz="3600" dirty="0">
+              <a:rPr lang="en-US" sz="2800" spc="50" dirty="0">
                 <a:solidFill>
                   <a:schemeClr val="bg1"/>
                 </a:solidFill>
+                <a:latin typeface="Assistant" panose="00000500000000000000" pitchFamily="2" charset="-79"/>
+                <a:cs typeface="Assistant" panose="00000500000000000000" pitchFamily="2" charset="-79"/>
               </a:rPr>
               <a:t> with the vision glorious</a:t>
             </a:r>
@@ -3620,10 +3678,12 @@
           <a:p>
             <a:pPr algn="ctr"/>
             <a:r>
-              <a:rPr lang="en-US" sz="3600" dirty="0">
+              <a:rPr lang="en-US" sz="2800" spc="50" dirty="0">
                 <a:solidFill>
                   <a:schemeClr val="bg1"/>
                 </a:solidFill>
+                <a:latin typeface="Assistant" panose="00000500000000000000" pitchFamily="2" charset="-79"/>
+                <a:cs typeface="Assistant" panose="00000500000000000000" pitchFamily="2" charset="-79"/>
               </a:rPr>
               <a:t>Her longing eyes are blest,</a:t>
             </a:r>
@@ -3631,10 +3691,12 @@
           <a:p>
             <a:pPr algn="ctr"/>
             <a:r>
-              <a:rPr lang="en-US" sz="3600" dirty="0">
+              <a:rPr lang="en-US" sz="2800" spc="50" dirty="0">
                 <a:solidFill>
                   <a:schemeClr val="bg1"/>
                 </a:solidFill>
+                <a:latin typeface="Assistant" panose="00000500000000000000" pitchFamily="2" charset="-79"/>
+                <a:cs typeface="Assistant" panose="00000500000000000000" pitchFamily="2" charset="-79"/>
               </a:rPr>
               <a:t>And the great church victorious</a:t>
             </a:r>
@@ -3642,10 +3704,12 @@
           <a:p>
             <a:pPr algn="ctr"/>
             <a:r>
-              <a:rPr lang="en-US" sz="3600" dirty="0">
+              <a:rPr lang="en-US" sz="2800" spc="50" dirty="0">
                 <a:solidFill>
                   <a:schemeClr val="bg1"/>
                 </a:solidFill>
+                <a:latin typeface="Assistant" panose="00000500000000000000" pitchFamily="2" charset="-79"/>
+                <a:cs typeface="Assistant" panose="00000500000000000000" pitchFamily="2" charset="-79"/>
               </a:rPr>
               <a:t>Shall be the church at rest.</a:t>
             </a:r>
@@ -3747,8 +3811,8 @@
         </p:nvSpPr>
         <p:spPr>
           <a:xfrm>
-            <a:off x="0" y="5804209"/>
-            <a:ext cx="12192000" cy="830997"/>
+            <a:off x="0" y="5927320"/>
+            <a:ext cx="12192000" cy="584775"/>
           </a:xfrm>
           <a:prstGeom prst="rect">
             <a:avLst/>
@@ -3763,10 +3827,12 @@
           <a:p>
             <a:pPr algn="ctr"/>
             <a:r>
-              <a:rPr lang="en-US" sz="4800" dirty="0">
+              <a:rPr lang="en-US" sz="3200" u="sng" dirty="0">
                 <a:solidFill>
                   <a:schemeClr val="bg1"/>
                 </a:solidFill>
+                <a:latin typeface="Assistant SemiBold" panose="00000700000000000000" pitchFamily="2" charset="-79"/>
+                <a:cs typeface="Assistant SemiBold" panose="00000700000000000000" pitchFamily="2" charset="-79"/>
               </a:rPr>
               <a:t>“The Church’s One Foundation”</a:t>
             </a:r>
@@ -3781,8 +3847,8 @@
         </p:nvSpPr>
         <p:spPr>
           <a:xfrm>
-            <a:off x="0" y="319381"/>
-            <a:ext cx="12192000" cy="5078313"/>
+            <a:off x="0" y="818145"/>
+            <a:ext cx="12192000" cy="3970318"/>
           </a:xfrm>
           <a:prstGeom prst="rect">
             <a:avLst/>
@@ -3797,10 +3863,12 @@
           <a:p>
             <a:pPr algn="ctr"/>
             <a:r>
-              <a:rPr lang="en-US" sz="3600" dirty="0">
+              <a:rPr lang="en-US" sz="2800" spc="50" dirty="0">
                 <a:solidFill>
                   <a:schemeClr val="bg1"/>
                 </a:solidFill>
+                <a:latin typeface="Assistant" panose="00000500000000000000" pitchFamily="2" charset="-79"/>
+                <a:cs typeface="Assistant" panose="00000500000000000000" pitchFamily="2" charset="-79"/>
               </a:rPr>
               <a:t>Yet she on Earth hath union</a:t>
             </a:r>
@@ -3808,10 +3876,12 @@
           <a:p>
             <a:pPr algn="ctr"/>
             <a:r>
-              <a:rPr lang="en-US" sz="3600" dirty="0">
+              <a:rPr lang="en-US" sz="2800" spc="50" dirty="0">
                 <a:solidFill>
                   <a:schemeClr val="bg1"/>
                 </a:solidFill>
+                <a:latin typeface="Assistant" panose="00000500000000000000" pitchFamily="2" charset="-79"/>
+                <a:cs typeface="Assistant" panose="00000500000000000000" pitchFamily="2" charset="-79"/>
               </a:rPr>
               <a:t>With God, the Three in One,</a:t>
             </a:r>
@@ -3819,10 +3889,12 @@
           <a:p>
             <a:pPr algn="ctr"/>
             <a:r>
-              <a:rPr lang="en-US" sz="3600" dirty="0">
+              <a:rPr lang="en-US" sz="2800" spc="50" dirty="0">
                 <a:solidFill>
                   <a:schemeClr val="bg1"/>
                 </a:solidFill>
+                <a:latin typeface="Assistant" panose="00000500000000000000" pitchFamily="2" charset="-79"/>
+                <a:cs typeface="Assistant" panose="00000500000000000000" pitchFamily="2" charset="-79"/>
               </a:rPr>
               <a:t>And mystic sweet communion</a:t>
             </a:r>
@@ -3830,29 +3902,35 @@
           <a:p>
             <a:pPr algn="ctr"/>
             <a:r>
-              <a:rPr lang="en-US" sz="3600" dirty="0">
+              <a:rPr lang="en-US" sz="2800" spc="50" dirty="0">
                 <a:solidFill>
                   <a:schemeClr val="bg1"/>
                 </a:solidFill>
+                <a:latin typeface="Assistant" panose="00000500000000000000" pitchFamily="2" charset="-79"/>
+                <a:cs typeface="Assistant" panose="00000500000000000000" pitchFamily="2" charset="-79"/>
               </a:rPr>
               <a:t>With those whose rest is won.</a:t>
             </a:r>
           </a:p>
           <a:p>
             <a:pPr algn="ctr"/>
-            <a:endParaRPr lang="en-US" sz="3600" dirty="0">
+            <a:endParaRPr lang="en-US" sz="2800" spc="50" dirty="0">
               <a:solidFill>
                 <a:schemeClr val="bg1"/>
               </a:solidFill>
+              <a:latin typeface="Assistant" panose="00000500000000000000" pitchFamily="2" charset="-79"/>
+              <a:cs typeface="Assistant" panose="00000500000000000000" pitchFamily="2" charset="-79"/>
             </a:endParaRPr>
           </a:p>
           <a:p>
             <a:pPr algn="ctr"/>
             <a:r>
-              <a:rPr lang="en-US" sz="3600" dirty="0">
+              <a:rPr lang="en-US" sz="2800" spc="50" dirty="0">
                 <a:solidFill>
                   <a:schemeClr val="bg1"/>
                 </a:solidFill>
+                <a:latin typeface="Assistant" panose="00000500000000000000" pitchFamily="2" charset="-79"/>
+                <a:cs typeface="Assistant" panose="00000500000000000000" pitchFamily="2" charset="-79"/>
               </a:rPr>
               <a:t>Oh, happy ones and holy!</a:t>
             </a:r>
@@ -3860,10 +3938,12 @@
           <a:p>
             <a:pPr algn="ctr"/>
             <a:r>
-              <a:rPr lang="en-US" sz="3600" dirty="0">
+              <a:rPr lang="en-US" sz="2800" spc="50" dirty="0">
                 <a:solidFill>
                   <a:schemeClr val="bg1"/>
                 </a:solidFill>
+                <a:latin typeface="Assistant" panose="00000500000000000000" pitchFamily="2" charset="-79"/>
+                <a:cs typeface="Assistant" panose="00000500000000000000" pitchFamily="2" charset="-79"/>
               </a:rPr>
               <a:t>Lord, give us grace that we,</a:t>
             </a:r>
@@ -3871,10 +3951,12 @@
           <a:p>
             <a:pPr algn="ctr"/>
             <a:r>
-              <a:rPr lang="en-US" sz="3600" dirty="0">
+              <a:rPr lang="en-US" sz="2800" spc="50" dirty="0">
                 <a:solidFill>
                   <a:schemeClr val="bg1"/>
                 </a:solidFill>
+                <a:latin typeface="Assistant" panose="00000500000000000000" pitchFamily="2" charset="-79"/>
+                <a:cs typeface="Assistant" panose="00000500000000000000" pitchFamily="2" charset="-79"/>
               </a:rPr>
               <a:t>Like them, the meek and lowly,</a:t>
             </a:r>
@@ -3882,10 +3964,12 @@
           <a:p>
             <a:pPr algn="ctr"/>
             <a:r>
-              <a:rPr lang="en-US" sz="3600" dirty="0">
+              <a:rPr lang="en-US" sz="2800" spc="50" dirty="0">
                 <a:solidFill>
                   <a:schemeClr val="bg1"/>
                 </a:solidFill>
+                <a:latin typeface="Assistant" panose="00000500000000000000" pitchFamily="2" charset="-79"/>
+                <a:cs typeface="Assistant" panose="00000500000000000000" pitchFamily="2" charset="-79"/>
               </a:rPr>
               <a:t>On high may dwell with Thee.</a:t>
             </a:r>
